--- a/Programacion web extendido/PW_Sesion2.pptx
+++ b/Programacion web extendido/PW_Sesion2.pptx
@@ -220,7 +220,7 @@
           <a:p>
             <a:fld id="{7FF7D7FF-DDC7-474C-8526-899954A31AD1}" type="datetimeFigureOut">
               <a:rPr lang="es-EC" smtClean="0"/>
-              <a:t>1/9/2024</a:t>
+              <a:t>29/9/2024</a:t>
             </a:fld>
             <a:endParaRPr lang="es-EC"/>
           </a:p>
@@ -646,7 +646,7 @@
           <a:p>
             <a:fld id="{8FEB83C7-CE7D-EE43-931B-A983B2AE7CF3}" type="datetimeFigureOut">
               <a:rPr lang="es-EC" smtClean="0"/>
-              <a:t>1/9/2024</a:t>
+              <a:t>29/9/2024</a:t>
             </a:fld>
             <a:endParaRPr lang="es-EC"/>
           </a:p>
@@ -1104,8 +1104,8 @@
         </p:nvSpPr>
         <p:spPr>
           <a:xfrm>
-            <a:off x="7261596" y="4837149"/>
-            <a:ext cx="4747069" cy="646331"/>
+            <a:off x="7118721" y="4837149"/>
+            <a:ext cx="4872039" cy="646331"/>
           </a:xfrm>
           <a:prstGeom prst="rect">
             <a:avLst/>
@@ -1120,14 +1120,22 @@
           <a:p>
             <a:r>
               <a:rPr lang="es-419" dirty="0"/>
-              <a:t>Sesión 2: Entornos de Desarrollo Integrados para</a:t>
+              <a:t>Sesión 2: Entornos de Desarrollo Integrados (</a:t>
+            </a:r>
+            <a:r>
+              <a:rPr lang="es-419" dirty="0" err="1"/>
+              <a:t>IDEs</a:t>
+            </a:r>
+            <a:r>
+              <a:rPr lang="es-419" dirty="0"/>
+              <a:t>)</a:t>
             </a:r>
           </a:p>
           <a:p>
             <a:pPr algn="ctr"/>
             <a:r>
               <a:rPr lang="es-419" dirty="0"/>
-              <a:t>Programación Web</a:t>
+              <a:t>para Programación Web</a:t>
             </a:r>
           </a:p>
         </p:txBody>
